--- a/JAVA PPT/Day12.pptx
+++ b/JAVA PPT/Day12.pptx
@@ -252,6 +252,22 @@
       </a:defRPr>
     </a:lvl9pPr>
   </p:defaultTextStyle>
+  <p:extLst>
+    <p:ext uri="{EFAFB233-063F-42B5-8137-9DF3F51BA10A}">
+      <p15:sldGuideLst xmlns:p15="http://schemas.microsoft.com/office/powerpoint/2012/main">
+        <p15:guide id="1" orient="horz" pos="1620" userDrawn="1">
+          <p15:clr>
+            <a:srgbClr val="A4A3A4"/>
+          </p15:clr>
+        </p15:guide>
+        <p15:guide id="2" pos="2880" userDrawn="1">
+          <p15:clr>
+            <a:srgbClr val="A4A3A4"/>
+          </p15:clr>
+        </p15:guide>
+      </p15:sldGuideLst>
+    </p:ext>
+  </p:extLst>
 </p:presentation>
 </file>
 
@@ -22750,8 +22766,8 @@
         </p:nvCxnSpPr>
         <p:spPr>
           <a:xfrm flipH="1">
-            <a:off x="4839970" y="1926590"/>
-            <a:ext cx="23495" cy="907415"/>
+            <a:off x="4839970" y="1962785"/>
+            <a:ext cx="1270" cy="871220"/>
           </a:xfrm>
           <a:prstGeom prst="straightConnector1">
             <a:avLst/>
